--- a/djangoISSSTE/static/ppt/ppt-generados/informacion_general_1.pptx
+++ b/djangoISSSTE/static/ppt/ppt-generados/informacion_general_1.pptx
@@ -3688,7 +3688,7 @@
                     <a:lstStyle/>
                     <a:p>
                       <a:r>
-                        <a:t>Total de avances: 90,142.0, con un monto de inversión aproximado de: 77,568,150.00</a:t>
+                        <a:t>Total de avances: 90,142.0, con un monto de inversión aproximado de: 79,055,649.00</a:t>
                       </a:r>
                       <a:endParaRPr lang="es-MX" sz="1400" b="1" baseline="0" dirty="0" smtClean="0">
                         <a:solidFill>
